--- a/psych_poster_template.pptx
+++ b/psych_poster_template.pptx
@@ -241,6 +241,11 @@
       </a:defRPr>
     </a:lvl9pPr>
   </p:defaultTextStyle>
+  <p:extLst>
+    <p:ext uri="{EFAFB233-063F-42B5-8137-9DF3F51BA10A}">
+      <p15:sldGuideLst xmlns:p15="http://schemas.microsoft.com/office/powerpoint/2012/main"/>
+    </p:ext>
+  </p:extLst>
 </p:presentation>
 </file>
 
@@ -14278,8 +14283,8 @@
         </p:nvSpPr>
         <p:spPr>
           <a:xfrm>
-            <a:off x="114885" y="4292154"/>
-            <a:ext cx="16002000" cy="6476641"/>
+            <a:off x="0" y="5021196"/>
+            <a:ext cx="16118100" cy="6476641"/>
           </a:xfrm>
           <a:prstGeom prst="rect">
             <a:avLst/>
@@ -14290,7 +14295,7 @@
           </a:ln>
         </p:spPr>
         <p:txBody>
-          <a:bodyPr spcFirstLastPara="1" wrap="square" lIns="91425" tIns="45700" rIns="91425" bIns="45700" anchor="t" anchorCtr="0">
+          <a:bodyPr spcFirstLastPara="1" wrap="square" lIns="91425" tIns="45700" rIns="91425" bIns="45700" anchor="ctr" anchorCtr="0">
             <a:noAutofit/>
           </a:bodyPr>
           <a:lstStyle/>
@@ -14313,14 +14318,14 @@
               <a:buNone/>
             </a:pPr>
             <a:r>
-              <a:rPr lang="en-US" sz="3000">
+              <a:rPr lang="en-US" sz="3200" dirty="0">
                 <a:solidFill>
                   <a:schemeClr val="dk1"/>
                 </a:solidFill>
               </a:rPr>
               <a:t>Overwatch League is one of several burgeoning professional, competitive eSports leagues with 12 franchises, or teams, across the U.S. and South Korea. Overwatch is classified as a team-based multiplayer online first-person shooter video game. In 2016, the franchise winning the Overwatch League regular season championship earned a total prize pool of $3.5 million, while the industry at-large generated $493 million.</a:t>
             </a:r>
-            <a:endParaRPr sz="3000">
+            <a:endParaRPr sz="3200" dirty="0">
               <a:solidFill>
                 <a:schemeClr val="dk1"/>
               </a:solidFill>
@@ -14339,7 +14344,7 @@
               </a:spcAft>
               <a:buNone/>
             </a:pPr>
-            <a:endParaRPr sz="3000">
+            <a:endParaRPr sz="3200" dirty="0">
               <a:solidFill>
                 <a:schemeClr val="dk1"/>
               </a:solidFill>
@@ -14364,14 +14369,14 @@
               <a:buNone/>
             </a:pPr>
             <a:r>
-              <a:rPr lang="en-US" sz="3000">
+              <a:rPr lang="en-US" sz="3200" dirty="0">
                 <a:solidFill>
                   <a:schemeClr val="dk1"/>
                 </a:solidFill>
               </a:rPr>
               <a:t>As other professional sports leagues (e.g., MLB, NBA, NFL) continually apply data analytics to the forecasting of player and team performance, eSports leagues are in a similar position. In the context of Overwatch League, all game play statistics are generated and made available for public review. Examples include, players' skill rankings, results of in-game competitions, character role, and duration of game play, to name a few.</a:t>
             </a:r>
-            <a:endParaRPr sz="3000">
+            <a:endParaRPr sz="3200" dirty="0">
               <a:solidFill>
                 <a:schemeClr val="dk1"/>
               </a:solidFill>
@@ -14387,7 +14392,7 @@
         </p:nvSpPr>
         <p:spPr>
           <a:xfrm>
-            <a:off x="0" y="2943384"/>
+            <a:off x="7225" y="3848963"/>
             <a:ext cx="16116883" cy="1188720"/>
           </a:xfrm>
           <a:prstGeom prst="rect">
@@ -14416,7 +14421,7 @@
               <a:buNone/>
             </a:pPr>
             <a:r>
-              <a:rPr lang="en-US" sz="4000" b="1" i="0" u="none" strike="noStrike" cap="none">
+              <a:rPr lang="en-US" sz="4400" b="1" i="0" u="none" strike="noStrike" cap="none" dirty="0">
                 <a:solidFill>
                   <a:schemeClr val="lt1"/>
                 </a:solidFill>
@@ -14427,7 +14432,7 @@
               </a:rPr>
               <a:t> ABSTRACT</a:t>
             </a:r>
-            <a:endParaRPr sz="4000" b="1" i="0" u="none" strike="noStrike" cap="none">
+            <a:endParaRPr sz="4400" b="1" i="0" u="none" strike="noStrike" cap="none" dirty="0">
               <a:solidFill>
                 <a:schemeClr val="lt1"/>
               </a:solidFill>
@@ -14447,8 +14452,8 @@
         </p:nvSpPr>
         <p:spPr>
           <a:xfrm>
-            <a:off x="114875" y="16179547"/>
-            <a:ext cx="16002000" cy="1021800"/>
+            <a:off x="-7225" y="17872619"/>
+            <a:ext cx="16124100" cy="990894"/>
           </a:xfrm>
           <a:prstGeom prst="rect">
             <a:avLst/>
@@ -14459,7 +14464,7 @@
           </a:ln>
         </p:spPr>
         <p:txBody>
-          <a:bodyPr spcFirstLastPara="1" wrap="square" lIns="91425" tIns="45700" rIns="91425" bIns="45700" anchor="t" anchorCtr="0">
+          <a:bodyPr spcFirstLastPara="1" wrap="square" lIns="91425" tIns="45700" rIns="91425" bIns="45700" anchor="ctr" anchorCtr="0">
             <a:noAutofit/>
           </a:bodyPr>
           <a:lstStyle/>
@@ -14479,30 +14484,14 @@
               <a:buAutoNum type="arabicPeriod"/>
             </a:pPr>
             <a:r>
-              <a:rPr lang="en-US" sz="3000">
+              <a:rPr lang="en-US" sz="3600" dirty="0">
                 <a:solidFill>
                   <a:schemeClr val="dk1"/>
                 </a:solidFill>
               </a:rPr>
               <a:t>To what degree does fight win rate predict an individual players skill rating?</a:t>
             </a:r>
-            <a:endParaRPr sz="3000">
-              <a:solidFill>
-                <a:schemeClr val="dk1"/>
-              </a:solidFill>
-            </a:endParaRPr>
-          </a:p>
-          <a:p>
-            <a:pPr marL="0" marR="0" lvl="0" indent="0" algn="l" rtl="0">
-              <a:spcBef>
-                <a:spcPts val="0"/>
-              </a:spcBef>
-              <a:spcAft>
-                <a:spcPts val="0"/>
-              </a:spcAft>
-              <a:buNone/>
-            </a:pPr>
-            <a:endParaRPr sz="3000">
+            <a:endParaRPr sz="3600" dirty="0">
               <a:solidFill>
                 <a:schemeClr val="dk1"/>
               </a:solidFill>
@@ -14548,7 +14537,7 @@
               <a:buNone/>
             </a:pPr>
             <a:r>
-              <a:rPr lang="en-US" sz="3000">
+              <a:rPr lang="en-US" sz="3600">
                 <a:solidFill>
                   <a:schemeClr val="dk1"/>
                 </a:solidFill>
@@ -14556,7 +14545,7 @@
               <a:t>This data is a compilation of </a:t>
             </a:r>
             <a:r>
-              <a:rPr lang="en-US" sz="3000">
+              <a:rPr lang="en-US" sz="3600">
                 <a:solidFill>
                   <a:srgbClr val="222222"/>
                 </a:solidFill>
@@ -14566,7 +14555,7 @@
               </a:rPr>
               <a:t> a five-week long stage, with three matches played four days a week (Wednesday through Saturday) with twelve teams competing. </a:t>
             </a:r>
-            <a:endParaRPr sz="3000">
+            <a:endParaRPr sz="3600">
               <a:solidFill>
                 <a:srgbClr val="222222"/>
               </a:solidFill>
@@ -14588,7 +14577,7 @@
               </a:spcAft>
               <a:buNone/>
             </a:pPr>
-            <a:endParaRPr sz="3000">
+            <a:endParaRPr sz="3600">
               <a:solidFill>
                 <a:srgbClr val="222222"/>
               </a:solidFill>
@@ -14611,7 +14600,7 @@
               <a:buNone/>
             </a:pPr>
             <a:r>
-              <a:rPr lang="en-US" sz="3000">
+              <a:rPr lang="en-US" sz="3600">
                 <a:solidFill>
                   <a:srgbClr val="222222"/>
                 </a:solidFill>
@@ -14621,7 +14610,7 @@
               </a:rPr>
               <a:t>This data has shown that fight win rate does in fact predicte 51% of the variance in an individual players skill rating. </a:t>
             </a:r>
-            <a:endParaRPr sz="3000">
+            <a:endParaRPr sz="3600">
               <a:solidFill>
                 <a:srgbClr val="222222"/>
               </a:solidFill>
@@ -14640,8 +14629,8 @@
         </p:nvSpPr>
         <p:spPr>
           <a:xfrm>
-            <a:off x="15181159" y="2899841"/>
-            <a:ext cx="19929681" cy="1908215"/>
+            <a:off x="20894500" y="3164057"/>
+            <a:ext cx="8501800" cy="2602566"/>
           </a:xfrm>
           <a:prstGeom prst="rect">
             <a:avLst/>
@@ -14667,14 +14656,22 @@
               <a:buNone/>
             </a:pPr>
             <a:r>
-              <a:rPr lang="en-US" sz="5400" b="1">
+              <a:rPr lang="en-US" sz="6600" b="1" dirty="0">
                 <a:solidFill>
                   <a:srgbClr val="595959"/>
                 </a:solidFill>
               </a:rPr>
-              <a:t>Brett Cutts</a:t>
+              <a:t>Brett </a:t>
             </a:r>
-            <a:endParaRPr/>
+            <a:r>
+              <a:rPr lang="en-US" sz="6600" b="1" dirty="0" err="1">
+                <a:solidFill>
+                  <a:srgbClr val="595959"/>
+                </a:solidFill>
+              </a:rPr>
+              <a:t>Cutts</a:t>
+            </a:r>
+            <a:endParaRPr sz="1800" dirty="0"/>
           </a:p>
           <a:p>
             <a:pPr marL="0" marR="0" lvl="0" indent="0" algn="ctr" rtl="0">
@@ -14687,7 +14684,7 @@
               <a:buNone/>
             </a:pPr>
             <a:r>
-              <a:rPr lang="en-US" sz="3200" b="0" i="0" u="none" strike="noStrike" cap="none">
+              <a:rPr lang="en-US" sz="4000" b="0" i="0" u="none" strike="noStrike" cap="none" dirty="0">
                 <a:solidFill>
                   <a:srgbClr val="595959"/>
                 </a:solidFill>
@@ -14698,7 +14695,7 @@
               </a:rPr>
               <a:t>Department of Psychology</a:t>
             </a:r>
-            <a:endParaRPr sz="3200" b="0" i="0" u="none" strike="noStrike" cap="none" baseline="30000">
+            <a:endParaRPr sz="4000" b="0" i="0" u="none" strike="noStrike" cap="none" baseline="30000" dirty="0">
               <a:solidFill>
                 <a:srgbClr val="595959"/>
               </a:solidFill>
@@ -14719,7 +14716,7 @@
               <a:buNone/>
             </a:pPr>
             <a:r>
-              <a:rPr lang="en-US" sz="3200" b="0" i="0" u="none" strike="noStrike" cap="none">
+              <a:rPr lang="en-US" sz="4000" b="0" i="0" u="none" strike="noStrike" cap="none" dirty="0">
                 <a:solidFill>
                   <a:srgbClr val="595959"/>
                 </a:solidFill>
@@ -14730,7 +14727,7 @@
               </a:rPr>
               <a:t>University of Mary Hardin-Baylor</a:t>
             </a:r>
-            <a:endParaRPr/>
+            <a:endParaRPr sz="1800" dirty="0"/>
           </a:p>
         </p:txBody>
       </p:sp>
@@ -14844,7 +14841,7 @@
         </p:nvSpPr>
         <p:spPr>
           <a:xfrm>
-            <a:off x="-25" y="14862269"/>
+            <a:off x="-25" y="16691069"/>
             <a:ext cx="16116900" cy="1021800"/>
           </a:xfrm>
           <a:prstGeom prst="rect">
@@ -14873,7 +14870,7 @@
               <a:buNone/>
             </a:pPr>
             <a:r>
-              <a:rPr lang="en-US" sz="4000" b="1">
+              <a:rPr lang="en-US" sz="4400" b="1" dirty="0">
                 <a:solidFill>
                   <a:schemeClr val="lt1"/>
                 </a:solidFill>
@@ -14884,7 +14881,7 @@
               </a:rPr>
               <a:t>QUESTION</a:t>
             </a:r>
-            <a:endParaRPr sz="4000" b="1">
+            <a:endParaRPr sz="4000" b="1" dirty="0">
               <a:solidFill>
                 <a:schemeClr val="lt1"/>
               </a:solidFill>
@@ -14904,7 +14901,7 @@
         </p:nvSpPr>
         <p:spPr>
           <a:xfrm>
-            <a:off x="-6025" y="17808511"/>
+            <a:off x="-6025" y="20185951"/>
             <a:ext cx="16116900" cy="1251000"/>
           </a:xfrm>
           <a:prstGeom prst="rect">
@@ -14933,7 +14930,7 @@
               <a:buNone/>
             </a:pPr>
             <a:r>
-              <a:rPr lang="en-US" sz="4000" b="1">
+              <a:rPr lang="en-US" sz="4400" b="1" dirty="0">
                 <a:solidFill>
                   <a:schemeClr val="lt1"/>
                 </a:solidFill>
@@ -14944,7 +14941,7 @@
               </a:rPr>
               <a:t>METHOD</a:t>
             </a:r>
-            <a:endParaRPr/>
+            <a:endParaRPr sz="1600" dirty="0"/>
           </a:p>
         </p:txBody>
       </p:sp>
@@ -15008,7 +15005,7 @@
         </p:nvSpPr>
         <p:spPr>
           <a:xfrm>
-            <a:off x="34115894" y="20022030"/>
+            <a:off x="39785174" y="-1951777"/>
             <a:ext cx="16100100" cy="1188600"/>
           </a:xfrm>
           <a:prstGeom prst="rect">
@@ -15060,8 +15057,8 @@
         </p:nvSpPr>
         <p:spPr>
           <a:xfrm>
-            <a:off x="337000" y="19516750"/>
-            <a:ext cx="16002000" cy="6081600"/>
+            <a:off x="-60170" y="21387998"/>
+            <a:ext cx="16346225" cy="6081600"/>
           </a:xfrm>
           <a:prstGeom prst="rect">
             <a:avLst/>
@@ -15072,7 +15069,7 @@
           </a:ln>
         </p:spPr>
         <p:txBody>
-          <a:bodyPr spcFirstLastPara="1" wrap="square" lIns="91425" tIns="45700" rIns="91425" bIns="45700" anchor="t" anchorCtr="0">
+          <a:bodyPr spcFirstLastPara="1" wrap="square" lIns="91425" tIns="45700" rIns="91425" bIns="45700" anchor="ctr" anchorCtr="0">
             <a:noAutofit/>
           </a:bodyPr>
           <a:lstStyle/>
@@ -15095,14 +15092,14 @@
               <a:buNone/>
             </a:pPr>
             <a:r>
-              <a:rPr lang="en-US" sz="3000">
+              <a:rPr lang="en-US" sz="3600" dirty="0">
                 <a:solidFill>
                   <a:schemeClr val="dk1"/>
                 </a:solidFill>
               </a:rPr>
               <a:t>The current study applied mixed effects linear regression models to player-level and in-game data from the eSports Overwatch League to estimate the degree to which fight win rate predicts individual players' overall skill ranking.</a:t>
             </a:r>
-            <a:endParaRPr sz="3000"/>
+            <a:endParaRPr sz="3600" dirty="0"/>
           </a:p>
           <a:p>
             <a:pPr marL="0" marR="0" lvl="0" indent="0" algn="l" rtl="0">
@@ -15117,7 +15114,7 @@
               </a:spcAft>
               <a:buNone/>
             </a:pPr>
-            <a:endParaRPr sz="3000">
+            <a:endParaRPr sz="3600" dirty="0">
               <a:solidFill>
                 <a:schemeClr val="dk1"/>
               </a:solidFill>
@@ -15142,14 +15139,14 @@
               <a:buNone/>
             </a:pPr>
             <a:r>
-              <a:rPr lang="en-US" sz="3000">
+              <a:rPr lang="en-US" sz="3600" dirty="0">
                 <a:solidFill>
                   <a:schemeClr val="dk1"/>
                 </a:solidFill>
               </a:rPr>
               <a:t>For the purposes of the current analysis, players' skill ranking was modeled against each in-game character's fight win rate, across all players. In addition to a completely fixed-effects model, three mixed effects models were estimated: (a) a random intercepts model, (b) a random slopes model, and (c) a random intercepts, random slopes model. A conditional R-squared estimate was used to examine model fit, with fight win rate in the random intercepts model explaining approximately 51% of the variance in individual players' skill ranking.</a:t>
             </a:r>
-            <a:endParaRPr sz="3000">
+            <a:endParaRPr sz="3600" dirty="0">
               <a:solidFill>
                 <a:schemeClr val="dk1"/>
               </a:solidFill>
@@ -15278,14 +15275,14 @@
                   <a:buNone/>
                 </a:pPr>
                 <a:r>
-                  <a:rPr lang="en-US" sz="10500" b="1">
+                  <a:rPr lang="en-US" sz="11000" b="1" dirty="0">
                     <a:solidFill>
                       <a:srgbClr val="FFFFFF"/>
                     </a:solidFill>
                   </a:rPr>
                   <a:t>An Application of Mixed Effects Modeling to eSports Data</a:t>
                 </a:r>
-                <a:endParaRPr sz="10500" b="1">
+                <a:endParaRPr sz="11000" b="1" dirty="0">
                   <a:solidFill>
                     <a:srgbClr val="FFFFFF"/>
                   </a:solidFill>
@@ -15381,90 +15378,6 @@
           </a:p>
         </p:txBody>
       </p:sp>
-      <p:pic>
-        <p:nvPicPr>
-          <p:cNvPr id="102" name="Shape 102"/>
-          <p:cNvPicPr preferRelativeResize="0"/>
-          <p:nvPr/>
-        </p:nvPicPr>
-        <p:blipFill>
-          <a:blip r:embed="rId3">
-            <a:alphaModFix/>
-          </a:blip>
-          <a:stretch>
-            <a:fillRect/>
-          </a:stretch>
-        </p:blipFill>
-        <p:spPr>
-          <a:xfrm>
-            <a:off x="18169800" y="5175400"/>
-            <a:ext cx="14115300" cy="8309900"/>
-          </a:xfrm>
-          <a:prstGeom prst="rect">
-            <a:avLst/>
-          </a:prstGeom>
-          <a:noFill/>
-          <a:ln>
-            <a:noFill/>
-          </a:ln>
-        </p:spPr>
-      </p:pic>
-      <p:pic>
-        <p:nvPicPr>
-          <p:cNvPr id="103" name="Shape 103"/>
-          <p:cNvPicPr preferRelativeResize="0"/>
-          <p:nvPr/>
-        </p:nvPicPr>
-        <p:blipFill>
-          <a:blip r:embed="rId4">
-            <a:alphaModFix/>
-          </a:blip>
-          <a:stretch>
-            <a:fillRect/>
-          </a:stretch>
-        </p:blipFill>
-        <p:spPr>
-          <a:xfrm>
-            <a:off x="18169788" y="13908488"/>
-            <a:ext cx="14115300" cy="8309900"/>
-          </a:xfrm>
-          <a:prstGeom prst="rect">
-            <a:avLst/>
-          </a:prstGeom>
-          <a:noFill/>
-          <a:ln>
-            <a:noFill/>
-          </a:ln>
-        </p:spPr>
-      </p:pic>
-      <p:pic>
-        <p:nvPicPr>
-          <p:cNvPr id="104" name="Shape 104"/>
-          <p:cNvPicPr preferRelativeResize="0"/>
-          <p:nvPr/>
-        </p:nvPicPr>
-        <p:blipFill>
-          <a:blip r:embed="rId5">
-            <a:alphaModFix/>
-          </a:blip>
-          <a:stretch>
-            <a:fillRect/>
-          </a:stretch>
-        </p:blipFill>
-        <p:spPr>
-          <a:xfrm>
-            <a:off x="18169800" y="22641600"/>
-            <a:ext cx="14115300" cy="8309900"/>
-          </a:xfrm>
-          <a:prstGeom prst="rect">
-            <a:avLst/>
-          </a:prstGeom>
-          <a:noFill/>
-          <a:ln>
-            <a:noFill/>
-          </a:ln>
-        </p:spPr>
-      </p:pic>
       <p:sp>
         <p:nvSpPr>
           <p:cNvPr id="105" name="Shape 105"/>
@@ -15473,7 +15386,7 @@
         </p:nvSpPr>
         <p:spPr>
           <a:xfrm>
-            <a:off x="-25" y="10561584"/>
+            <a:off x="-25" y="12105584"/>
             <a:ext cx="16116900" cy="1188600"/>
           </a:xfrm>
           <a:prstGeom prst="rect">
@@ -15502,7 +15415,7 @@
               <a:buNone/>
             </a:pPr>
             <a:r>
-              <a:rPr lang="en-US" sz="4000" b="1" i="0" u="none" strike="noStrike" cap="none" dirty="0">
+              <a:rPr lang="en-US" sz="4400" b="1" i="0" u="none" strike="noStrike" cap="none" dirty="0">
                 <a:solidFill>
                   <a:schemeClr val="lt1"/>
                 </a:solidFill>
@@ -15514,14 +15427,14 @@
               <a:t> </a:t>
             </a:r>
             <a:r>
-              <a:rPr lang="en-US" sz="4000" b="1" dirty="0">
+              <a:rPr lang="en-US" sz="4400" b="1" dirty="0">
                 <a:solidFill>
                   <a:schemeClr val="lt1"/>
                 </a:solidFill>
               </a:rPr>
               <a:t>DESCRIPTION</a:t>
             </a:r>
-            <a:endParaRPr sz="4000" b="1" i="0" u="none" strike="noStrike" cap="none" dirty="0">
+            <a:endParaRPr sz="4400" b="1" i="0" u="none" strike="noStrike" cap="none" dirty="0">
               <a:solidFill>
                 <a:schemeClr val="lt1"/>
               </a:solidFill>
@@ -15541,7 +15454,7 @@
         </p:nvSpPr>
         <p:spPr>
           <a:xfrm>
-            <a:off x="57425" y="12122299"/>
+            <a:off x="-60170" y="13589662"/>
             <a:ext cx="16002000" cy="2437200"/>
           </a:xfrm>
           <a:prstGeom prst="rect">
@@ -15553,7 +15466,7 @@
           </a:ln>
         </p:spPr>
         <p:txBody>
-          <a:bodyPr spcFirstLastPara="1" wrap="square" lIns="91425" tIns="45700" rIns="91425" bIns="45700" anchor="t" anchorCtr="0">
+          <a:bodyPr spcFirstLastPara="1" wrap="square" lIns="91425" tIns="45700" rIns="91425" bIns="45700" anchor="ctr" anchorCtr="0">
             <a:noAutofit/>
           </a:bodyPr>
           <a:lstStyle/>
@@ -15576,14 +15489,14 @@
               <a:buNone/>
             </a:pPr>
             <a:r>
-              <a:rPr lang="en-US" sz="3000">
+              <a:rPr lang="en-US" sz="3600" dirty="0">
                 <a:solidFill>
                   <a:schemeClr val="dk1"/>
                 </a:solidFill>
               </a:rPr>
               <a:t>This study applied mixed effects regression models to data from the eSports Overwatch League to estimate the degree to which fight win rate predicts individual players' overall skill ranking, resulting in a random intercepts model explaining approximately 51% of the variance in players' skill ranking.</a:t>
             </a:r>
-            <a:endParaRPr sz="3000">
+            <a:endParaRPr sz="3600" dirty="0">
               <a:solidFill>
                 <a:schemeClr val="dk1"/>
               </a:solidFill>
@@ -15591,6 +15504,322 @@
           </a:p>
         </p:txBody>
       </p:sp>
+      <p:sp>
+        <p:nvSpPr>
+          <p:cNvPr id="3" name="Rectangle 2">
+            <a:extLst>
+              <a:ext uri="{FF2B5EF4-FFF2-40B4-BE49-F238E27FC236}">
+                <a16:creationId xmlns:a16="http://schemas.microsoft.com/office/drawing/2014/main" id="{66120D89-62FD-D945-B8BF-5943C1F352DF}"/>
+              </a:ext>
+            </a:extLst>
+          </p:cNvPr>
+          <p:cNvSpPr/>
+          <p:nvPr/>
+        </p:nvSpPr>
+        <p:spPr>
+          <a:xfrm>
+            <a:off x="25603200" y="20358614"/>
+            <a:ext cx="18196560" cy="3416320"/>
+          </a:xfrm>
+          <a:prstGeom prst="rect">
+            <a:avLst/>
+          </a:prstGeom>
+          <a:solidFill>
+            <a:srgbClr val="F4F2F5"/>
+          </a:solidFill>
+        </p:spPr>
+        <p:txBody>
+          <a:bodyPr wrap="square">
+            <a:spAutoFit/>
+          </a:bodyPr>
+          <a:lstStyle/>
+          <a:p>
+            <a:r>
+              <a:rPr lang="en-US" sz="3600" dirty="0">
+                <a:solidFill>
+                  <a:srgbClr val="8C868F"/>
+                </a:solidFill>
+                <a:latin typeface="Lucida Console" panose="020B0609040504020204" pitchFamily="49" charset="0"/>
+              </a:rPr>
+              <a:t># Random intercepts model</a:t>
+            </a:r>
+          </a:p>
+          <a:p>
+            <a:r>
+              <a:rPr lang="en-US" sz="3600" dirty="0">
+                <a:latin typeface="Lucida Console" panose="020B0609040504020204" pitchFamily="49" charset="0"/>
+              </a:rPr>
+              <a:t>m1 </a:t>
+            </a:r>
+            <a:r>
+              <a:rPr lang="en-US" sz="3600" dirty="0">
+                <a:solidFill>
+                  <a:srgbClr val="FF7800"/>
+                </a:solidFill>
+                <a:latin typeface="Lucida Console" panose="020B0609040504020204" pitchFamily="49" charset="0"/>
+              </a:rPr>
+              <a:t>&lt;-</a:t>
+            </a:r>
+            <a:r>
+              <a:rPr lang="en-US" sz="3600" dirty="0">
+                <a:latin typeface="Lucida Console" panose="020B0609040504020204" pitchFamily="49" charset="0"/>
+              </a:rPr>
+              <a:t> </a:t>
+            </a:r>
+            <a:r>
+              <a:rPr lang="en-US" sz="3600" dirty="0" err="1">
+                <a:latin typeface="Lucida Console" panose="020B0609040504020204" pitchFamily="49" charset="0"/>
+              </a:rPr>
+              <a:t>lmer</a:t>
+            </a:r>
+            <a:r>
+              <a:rPr lang="en-US" sz="3600" dirty="0">
+                <a:latin typeface="Lucida Console" panose="020B0609040504020204" pitchFamily="49" charset="0"/>
+              </a:rPr>
+              <a:t>(rating </a:t>
+            </a:r>
+            <a:r>
+              <a:rPr lang="en-US" sz="3600" dirty="0">
+                <a:solidFill>
+                  <a:srgbClr val="FF7800"/>
+                </a:solidFill>
+                <a:latin typeface="Lucida Console" panose="020B0609040504020204" pitchFamily="49" charset="0"/>
+              </a:rPr>
+              <a:t>~</a:t>
+            </a:r>
+            <a:r>
+              <a:rPr lang="en-US" sz="3600" dirty="0">
+                <a:latin typeface="Lucida Console" panose="020B0609040504020204" pitchFamily="49" charset="0"/>
+              </a:rPr>
+              <a:t> </a:t>
+            </a:r>
+            <a:r>
+              <a:rPr lang="en-US" sz="3600" dirty="0" err="1">
+                <a:latin typeface="Lucida Console" panose="020B0609040504020204" pitchFamily="49" charset="0"/>
+              </a:rPr>
+              <a:t>fwin</a:t>
+            </a:r>
+            <a:r>
+              <a:rPr lang="en-US" sz="3600" dirty="0">
+                <a:latin typeface="Lucida Console" panose="020B0609040504020204" pitchFamily="49" charset="0"/>
+              </a:rPr>
+              <a:t> </a:t>
+            </a:r>
+            <a:r>
+              <a:rPr lang="en-US" sz="3600" dirty="0">
+                <a:solidFill>
+                  <a:srgbClr val="FF7800"/>
+                </a:solidFill>
+                <a:latin typeface="Lucida Console" panose="020B0609040504020204" pitchFamily="49" charset="0"/>
+              </a:rPr>
+              <a:t>+</a:t>
+            </a:r>
+            <a:r>
+              <a:rPr lang="en-US" sz="3600" dirty="0">
+                <a:latin typeface="Lucida Console" panose="020B0609040504020204" pitchFamily="49" charset="0"/>
+              </a:rPr>
+              <a:t> (</a:t>
+            </a:r>
+            <a:r>
+              <a:rPr lang="en-US" sz="3600" dirty="0">
+                <a:solidFill>
+                  <a:srgbClr val="3B5BB5"/>
+                </a:solidFill>
+                <a:latin typeface="Lucida Console" panose="020B0609040504020204" pitchFamily="49" charset="0"/>
+              </a:rPr>
+              <a:t>1</a:t>
+            </a:r>
+            <a:r>
+              <a:rPr lang="en-US" sz="3600" dirty="0">
+                <a:latin typeface="Lucida Console" panose="020B0609040504020204" pitchFamily="49" charset="0"/>
+              </a:rPr>
+              <a:t> </a:t>
+            </a:r>
+            <a:r>
+              <a:rPr lang="en-US" sz="3600" dirty="0">
+                <a:solidFill>
+                  <a:srgbClr val="FF7800"/>
+                </a:solidFill>
+                <a:latin typeface="Lucida Console" panose="020B0609040504020204" pitchFamily="49" charset="0"/>
+              </a:rPr>
+              <a:t>|</a:t>
+            </a:r>
+            <a:r>
+              <a:rPr lang="en-US" sz="3600" dirty="0">
+                <a:latin typeface="Lucida Console" panose="020B0609040504020204" pitchFamily="49" charset="0"/>
+              </a:rPr>
+              <a:t> hero), data </a:t>
+            </a:r>
+            <a:r>
+              <a:rPr lang="en-US" sz="3600" dirty="0">
+                <a:solidFill>
+                  <a:srgbClr val="FF7800"/>
+                </a:solidFill>
+                <a:latin typeface="Lucida Console" panose="020B0609040504020204" pitchFamily="49" charset="0"/>
+              </a:rPr>
+              <a:t>=</a:t>
+            </a:r>
+            <a:r>
+              <a:rPr lang="en-US" sz="3600" dirty="0">
+                <a:latin typeface="Lucida Console" panose="020B0609040504020204" pitchFamily="49" charset="0"/>
+              </a:rPr>
+              <a:t> </a:t>
+            </a:r>
+            <a:r>
+              <a:rPr lang="en-US" sz="3600" dirty="0" err="1">
+                <a:latin typeface="Lucida Console" panose="020B0609040504020204" pitchFamily="49" charset="0"/>
+              </a:rPr>
+              <a:t>mdat</a:t>
+            </a:r>
+            <a:r>
+              <a:rPr lang="en-US" sz="3600" dirty="0">
+                <a:latin typeface="Lucida Console" panose="020B0609040504020204" pitchFamily="49" charset="0"/>
+              </a:rPr>
+              <a:t>)</a:t>
+            </a:r>
+          </a:p>
+          <a:p>
+            <a:r>
+              <a:rPr lang="en-US" sz="3600" dirty="0">
+                <a:latin typeface="Lucida Console" panose="020B0609040504020204" pitchFamily="49" charset="0"/>
+              </a:rPr>
+              <a:t>summary(m1)</a:t>
+            </a:r>
+          </a:p>
+          <a:p>
+            <a:r>
+              <a:rPr lang="en-US" sz="3600" dirty="0" err="1">
+                <a:latin typeface="Lucida Console" panose="020B0609040504020204" pitchFamily="49" charset="0"/>
+              </a:rPr>
+              <a:t>coef</a:t>
+            </a:r>
+            <a:r>
+              <a:rPr lang="en-US" sz="3600" dirty="0">
+                <a:latin typeface="Lucida Console" panose="020B0609040504020204" pitchFamily="49" charset="0"/>
+              </a:rPr>
+              <a:t>(m1)</a:t>
+            </a:r>
+          </a:p>
+          <a:p>
+            <a:r>
+              <a:rPr lang="en-US" sz="3600" dirty="0" err="1">
+                <a:latin typeface="Lucida Console" panose="020B0609040504020204" pitchFamily="49" charset="0"/>
+              </a:rPr>
+              <a:t>sem.model.fits</a:t>
+            </a:r>
+            <a:r>
+              <a:rPr lang="en-US" sz="3600" dirty="0">
+                <a:latin typeface="Lucida Console" panose="020B0609040504020204" pitchFamily="49" charset="0"/>
+              </a:rPr>
+              <a:t>(m1)</a:t>
+            </a:r>
+          </a:p>
+          <a:p>
+            <a:r>
+              <a:rPr lang="en-US" sz="3600" dirty="0" err="1">
+                <a:latin typeface="Lucida Console" panose="020B0609040504020204" pitchFamily="49" charset="0"/>
+              </a:rPr>
+              <a:t>mdat</a:t>
+            </a:r>
+            <a:r>
+              <a:rPr lang="en-US" sz="3600" dirty="0" err="1">
+                <a:solidFill>
+                  <a:srgbClr val="FF7800"/>
+                </a:solidFill>
+                <a:latin typeface="Lucida Console" panose="020B0609040504020204" pitchFamily="49" charset="0"/>
+              </a:rPr>
+              <a:t>$</a:t>
+            </a:r>
+            <a:r>
+              <a:rPr lang="en-US" sz="3600" dirty="0" err="1">
+                <a:latin typeface="Lucida Console" panose="020B0609040504020204" pitchFamily="49" charset="0"/>
+              </a:rPr>
+              <a:t>pred_ri</a:t>
+            </a:r>
+            <a:r>
+              <a:rPr lang="en-US" sz="3600" dirty="0">
+                <a:latin typeface="Lucida Console" panose="020B0609040504020204" pitchFamily="49" charset="0"/>
+              </a:rPr>
+              <a:t> </a:t>
+            </a:r>
+            <a:r>
+              <a:rPr lang="en-US" sz="3600" dirty="0">
+                <a:solidFill>
+                  <a:srgbClr val="FF7800"/>
+                </a:solidFill>
+                <a:latin typeface="Lucida Console" panose="020B0609040504020204" pitchFamily="49" charset="0"/>
+              </a:rPr>
+              <a:t>&lt;-</a:t>
+            </a:r>
+            <a:r>
+              <a:rPr lang="en-US" sz="3600" dirty="0">
+                <a:latin typeface="Lucida Console" panose="020B0609040504020204" pitchFamily="49" charset="0"/>
+              </a:rPr>
+              <a:t> predict(m1)</a:t>
+            </a:r>
+          </a:p>
+        </p:txBody>
+      </p:sp>
+      <p:pic>
+        <p:nvPicPr>
+          <p:cNvPr id="5" name="Picture 4">
+            <a:extLst>
+              <a:ext uri="{FF2B5EF4-FFF2-40B4-BE49-F238E27FC236}">
+                <a16:creationId xmlns:a16="http://schemas.microsoft.com/office/drawing/2014/main" id="{5F3A482D-C004-DC41-AE3D-621525A06AB2}"/>
+              </a:ext>
+            </a:extLst>
+          </p:cNvPr>
+          <p:cNvPicPr>
+            <a:picLocks noChangeAspect="1"/>
+          </p:cNvPicPr>
+          <p:nvPr/>
+        </p:nvPicPr>
+        <p:blipFill>
+          <a:blip r:embed="rId3"/>
+          <a:stretch>
+            <a:fillRect/>
+          </a:stretch>
+        </p:blipFill>
+        <p:spPr>
+          <a:xfrm>
+            <a:off x="17598374" y="5766623"/>
+            <a:ext cx="13852700" cy="20779050"/>
+          </a:xfrm>
+          <a:prstGeom prst="rect">
+            <a:avLst/>
+          </a:prstGeom>
+        </p:spPr>
+      </p:pic>
+      <p:pic>
+        <p:nvPicPr>
+          <p:cNvPr id="7" name="Picture 6">
+            <a:extLst>
+              <a:ext uri="{FF2B5EF4-FFF2-40B4-BE49-F238E27FC236}">
+                <a16:creationId xmlns:a16="http://schemas.microsoft.com/office/drawing/2014/main" id="{CAFD0604-785A-1A4A-AB7B-FFFE9A787AC3}"/>
+              </a:ext>
+            </a:extLst>
+          </p:cNvPr>
+          <p:cNvPicPr>
+            <a:picLocks noChangeAspect="1"/>
+          </p:cNvPicPr>
+          <p:nvPr/>
+        </p:nvPicPr>
+        <p:blipFill>
+          <a:blip r:embed="rId4"/>
+          <a:stretch>
+            <a:fillRect/>
+          </a:stretch>
+        </p:blipFill>
+        <p:spPr>
+          <a:xfrm>
+            <a:off x="32232599" y="9141983"/>
+            <a:ext cx="16676447" cy="11117631"/>
+          </a:xfrm>
+          <a:prstGeom prst="rect">
+            <a:avLst/>
+          </a:prstGeom>
+        </p:spPr>
+      </p:pic>
     </p:spTree>
   </p:cSld>
   <p:clrMapOvr>
